--- a/Examples.pptx
+++ b/Examples.pptx
@@ -9,9 +9,15 @@
     <p:sldId id="257" r:id="rId3"/>
     <p:sldId id="261" r:id="rId4"/>
     <p:sldId id="258" r:id="rId5"/>
-    <p:sldId id="259" r:id="rId6"/>
-    <p:sldId id="262" r:id="rId7"/>
-    <p:sldId id="260" r:id="rId8"/>
+    <p:sldId id="263" r:id="rId6"/>
+    <p:sldId id="264" r:id="rId7"/>
+    <p:sldId id="265" r:id="rId8"/>
+    <p:sldId id="266" r:id="rId9"/>
+    <p:sldId id="267" r:id="rId10"/>
+    <p:sldId id="268" r:id="rId11"/>
+    <p:sldId id="259" r:id="rId12"/>
+    <p:sldId id="262" r:id="rId13"/>
+    <p:sldId id="260" r:id="rId14"/>
   </p:sldIdLst>
   <p:sldSz cx="12192000" cy="6858000"/>
   <p:notesSz cx="6858000" cy="9144000"/>
@@ -123,10 +129,16 @@
             <p14:sldId id="257"/>
             <p14:sldId id="261"/>
             <p14:sldId id="258"/>
+            <p14:sldId id="263"/>
+            <p14:sldId id="264"/>
+            <p14:sldId id="265"/>
           </p14:sldIdLst>
         </p14:section>
         <p14:section name="Python" id="{68C44B1B-4F34-4B47-BC10-8788184D55A3}">
           <p14:sldIdLst>
+            <p14:sldId id="266"/>
+            <p14:sldId id="267"/>
+            <p14:sldId id="268"/>
             <p14:sldId id="259"/>
             <p14:sldId id="262"/>
             <p14:sldId id="260"/>
@@ -3068,6 +3080,393 @@
 </p:sld>
 </file>
 
+<file path=ppt/slides/slide10.xml><?xml version="1.0" encoding="utf-8"?>
+<p:sld xmlns:a="http://schemas.openxmlformats.org/drawingml/2006/main" xmlns:r="http://schemas.openxmlformats.org/officeDocument/2006/relationships" xmlns:p="http://schemas.openxmlformats.org/presentationml/2006/main">
+  <p:cSld>
+    <p:bg>
+      <p:bgPr>
+        <a:solidFill>
+          <a:schemeClr val="tx1"/>
+        </a:solidFill>
+        <a:effectLst/>
+      </p:bgPr>
+    </p:bg>
+    <p:spTree>
+      <p:nvGrpSpPr>
+        <p:cNvPr id="1" name=""/>
+        <p:cNvGrpSpPr/>
+        <p:nvPr/>
+      </p:nvGrpSpPr>
+      <p:grpSpPr>
+        <a:xfrm>
+          <a:off x="0" y="0"/>
+          <a:ext cx="0" cy="0"/>
+          <a:chOff x="0" y="0"/>
+          <a:chExt cx="0" cy="0"/>
+        </a:xfrm>
+      </p:grpSpPr>
+      <p:sp>
+        <p:nvSpPr>
+          <p:cNvPr id="2" name="Title 1">
+            <a:extLst>
+              <a:ext uri="{FF2B5EF4-FFF2-40B4-BE49-F238E27FC236}">
+                <a16:creationId xmlns:a16="http://schemas.microsoft.com/office/drawing/2014/main" id="{8DB65730-EE63-0823-2C5E-A1F73345E8A4}"/>
+              </a:ext>
+            </a:extLst>
+          </p:cNvPr>
+          <p:cNvSpPr>
+            <a:spLocks noGrp="1"/>
+          </p:cNvSpPr>
+          <p:nvPr>
+            <p:ph type="title"/>
+          </p:nvPr>
+        </p:nvSpPr>
+        <p:spPr/>
+        <p:txBody>
+          <a:bodyPr/>
+          <a:lstStyle/>
+          <a:p>
+            <a:r>
+              <a:rPr lang="en-US" dirty="0">
+                <a:solidFill>
+                  <a:schemeClr val="bg1"/>
+                </a:solidFill>
+              </a:rPr>
+              <a:t>Python</a:t>
+            </a:r>
+          </a:p>
+        </p:txBody>
+      </p:sp>
+    </p:spTree>
+    <p:extLst>
+      <p:ext uri="{BB962C8B-B14F-4D97-AF65-F5344CB8AC3E}">
+        <p14:creationId xmlns:p14="http://schemas.microsoft.com/office/powerpoint/2010/main" val="902203264"/>
+      </p:ext>
+    </p:extLst>
+  </p:cSld>
+  <p:clrMapOvr>
+    <a:masterClrMapping/>
+  </p:clrMapOvr>
+</p:sld>
+</file>
+
+<file path=ppt/slides/slide11.xml><?xml version="1.0" encoding="utf-8"?>
+<p:sld xmlns:a="http://schemas.openxmlformats.org/drawingml/2006/main" xmlns:r="http://schemas.openxmlformats.org/officeDocument/2006/relationships" xmlns:p="http://schemas.openxmlformats.org/presentationml/2006/main">
+  <p:cSld>
+    <p:spTree>
+      <p:nvGrpSpPr>
+        <p:cNvPr id="1" name=""/>
+        <p:cNvGrpSpPr/>
+        <p:nvPr/>
+      </p:nvGrpSpPr>
+      <p:grpSpPr>
+        <a:xfrm>
+          <a:off x="0" y="0"/>
+          <a:ext cx="0" cy="0"/>
+          <a:chOff x="0" y="0"/>
+          <a:chExt cx="0" cy="0"/>
+        </a:xfrm>
+      </p:grpSpPr>
+      <p:sp>
+        <p:nvSpPr>
+          <p:cNvPr id="4" name="Title 3">
+            <a:extLst>
+              <a:ext uri="{FF2B5EF4-FFF2-40B4-BE49-F238E27FC236}">
+                <a16:creationId xmlns:a16="http://schemas.microsoft.com/office/drawing/2014/main" id="{179DC7F0-74FD-D9BD-EFA0-65B82119FFE6}"/>
+              </a:ext>
+            </a:extLst>
+          </p:cNvPr>
+          <p:cNvSpPr>
+            <a:spLocks noGrp="1"/>
+          </p:cNvSpPr>
+          <p:nvPr>
+            <p:ph type="title"/>
+          </p:nvPr>
+        </p:nvSpPr>
+        <p:spPr/>
+        <p:txBody>
+          <a:bodyPr/>
+          <a:lstStyle/>
+          <a:p>
+            <a:r>
+              <a:rPr lang="en-US" dirty="0"/>
+              <a:t>Python</a:t>
+            </a:r>
+          </a:p>
+        </p:txBody>
+      </p:sp>
+      <p:pic>
+        <p:nvPicPr>
+          <p:cNvPr id="12" name="Picture 11">
+            <a:extLst>
+              <a:ext uri="{FF2B5EF4-FFF2-40B4-BE49-F238E27FC236}">
+                <a16:creationId xmlns:a16="http://schemas.microsoft.com/office/drawing/2014/main" id="{405ED732-D32F-537C-C152-8D6144695200}"/>
+              </a:ext>
+            </a:extLst>
+          </p:cNvPr>
+          <p:cNvPicPr>
+            <a:picLocks noChangeAspect="1"/>
+          </p:cNvPicPr>
+          <p:nvPr/>
+        </p:nvPicPr>
+        <p:blipFill>
+          <a:blip r:embed="rId2"/>
+          <a:stretch>
+            <a:fillRect/>
+          </a:stretch>
+        </p:blipFill>
+        <p:spPr>
+          <a:xfrm>
+            <a:off x="3644900" y="1854200"/>
+            <a:ext cx="4902200" cy="3149600"/>
+          </a:xfrm>
+          <a:prstGeom prst="rect">
+            <a:avLst/>
+          </a:prstGeom>
+        </p:spPr>
+      </p:pic>
+    </p:spTree>
+    <p:extLst>
+      <p:ext uri="{BB962C8B-B14F-4D97-AF65-F5344CB8AC3E}">
+        <p14:creationId xmlns:p14="http://schemas.microsoft.com/office/powerpoint/2010/main" val="1167915754"/>
+      </p:ext>
+    </p:extLst>
+  </p:cSld>
+  <p:clrMapOvr>
+    <a:masterClrMapping/>
+  </p:clrMapOvr>
+</p:sld>
+</file>
+
+<file path=ppt/slides/slide12.xml><?xml version="1.0" encoding="utf-8"?>
+<p:sld xmlns:a="http://schemas.openxmlformats.org/drawingml/2006/main" xmlns:r="http://schemas.openxmlformats.org/officeDocument/2006/relationships" xmlns:p="http://schemas.openxmlformats.org/presentationml/2006/main">
+  <p:cSld>
+    <p:bg>
+      <p:bgPr>
+        <a:solidFill>
+          <a:schemeClr val="accent6">
+            <a:lumMod val="60000"/>
+            <a:lumOff val="40000"/>
+          </a:schemeClr>
+        </a:solidFill>
+        <a:effectLst/>
+      </p:bgPr>
+    </p:bg>
+    <p:spTree>
+      <p:nvGrpSpPr>
+        <p:cNvPr id="1" name=""/>
+        <p:cNvGrpSpPr/>
+        <p:nvPr/>
+      </p:nvGrpSpPr>
+      <p:grpSpPr>
+        <a:xfrm>
+          <a:off x="0" y="0"/>
+          <a:ext cx="0" cy="0"/>
+          <a:chOff x="0" y="0"/>
+          <a:chExt cx="0" cy="0"/>
+        </a:xfrm>
+      </p:grpSpPr>
+      <p:sp>
+        <p:nvSpPr>
+          <p:cNvPr id="2" name="Title 1">
+            <a:extLst>
+              <a:ext uri="{FF2B5EF4-FFF2-40B4-BE49-F238E27FC236}">
+                <a16:creationId xmlns:a16="http://schemas.microsoft.com/office/drawing/2014/main" id="{E4B279A8-232D-8BE2-2A0F-DC8744ACAE3C}"/>
+              </a:ext>
+            </a:extLst>
+          </p:cNvPr>
+          <p:cNvSpPr>
+            <a:spLocks noGrp="1"/>
+          </p:cNvSpPr>
+          <p:nvPr>
+            <p:ph type="title"/>
+          </p:nvPr>
+        </p:nvSpPr>
+        <p:spPr/>
+        <p:txBody>
+          <a:bodyPr/>
+          <a:lstStyle/>
+          <a:p>
+            <a:r>
+              <a:rPr lang="en-US" dirty="0"/>
+              <a:t>Python</a:t>
+            </a:r>
+          </a:p>
+        </p:txBody>
+      </p:sp>
+      <p:pic>
+        <p:nvPicPr>
+          <p:cNvPr id="10" name="Picture 9">
+            <a:extLst>
+              <a:ext uri="{FF2B5EF4-FFF2-40B4-BE49-F238E27FC236}">
+                <a16:creationId xmlns:a16="http://schemas.microsoft.com/office/drawing/2014/main" id="{B778C950-3BA1-C275-050A-D0591ABAE70F}"/>
+              </a:ext>
+            </a:extLst>
+          </p:cNvPr>
+          <p:cNvPicPr>
+            <a:picLocks noChangeAspect="1"/>
+          </p:cNvPicPr>
+          <p:nvPr/>
+        </p:nvPicPr>
+        <p:blipFill>
+          <a:blip r:embed="rId2"/>
+          <a:stretch>
+            <a:fillRect/>
+          </a:stretch>
+        </p:blipFill>
+        <p:spPr>
+          <a:xfrm>
+            <a:off x="98619" y="2283570"/>
+            <a:ext cx="4902200" cy="3149600"/>
+          </a:xfrm>
+          <a:prstGeom prst="rect">
+            <a:avLst/>
+          </a:prstGeom>
+        </p:spPr>
+      </p:pic>
+      <p:pic>
+        <p:nvPicPr>
+          <p:cNvPr id="12" name="Picture 11">
+            <a:extLst>
+              <a:ext uri="{FF2B5EF4-FFF2-40B4-BE49-F238E27FC236}">
+                <a16:creationId xmlns:a16="http://schemas.microsoft.com/office/drawing/2014/main" id="{FDD367DE-B5F5-DF6E-309E-E7DFBD1B2FEA}"/>
+              </a:ext>
+            </a:extLst>
+          </p:cNvPr>
+          <p:cNvPicPr>
+            <a:picLocks noChangeAspect="1"/>
+          </p:cNvPicPr>
+          <p:nvPr/>
+        </p:nvPicPr>
+        <p:blipFill>
+          <a:blip r:embed="rId3"/>
+          <a:stretch>
+            <a:fillRect/>
+          </a:stretch>
+        </p:blipFill>
+        <p:spPr>
+          <a:xfrm>
+            <a:off x="6451600" y="2283570"/>
+            <a:ext cx="4902200" cy="3149600"/>
+          </a:xfrm>
+          <a:prstGeom prst="rect">
+            <a:avLst/>
+          </a:prstGeom>
+        </p:spPr>
+      </p:pic>
+    </p:spTree>
+    <p:extLst>
+      <p:ext uri="{BB962C8B-B14F-4D97-AF65-F5344CB8AC3E}">
+        <p14:creationId xmlns:p14="http://schemas.microsoft.com/office/powerpoint/2010/main" val="859934550"/>
+      </p:ext>
+    </p:extLst>
+  </p:cSld>
+  <p:clrMapOvr>
+    <a:masterClrMapping/>
+  </p:clrMapOvr>
+</p:sld>
+</file>
+
+<file path=ppt/slides/slide13.xml><?xml version="1.0" encoding="utf-8"?>
+<p:sld xmlns:a="http://schemas.openxmlformats.org/drawingml/2006/main" xmlns:r="http://schemas.openxmlformats.org/officeDocument/2006/relationships" xmlns:p="http://schemas.openxmlformats.org/presentationml/2006/main">
+  <p:cSld>
+    <p:bg>
+      <p:bgPr>
+        <a:solidFill>
+          <a:schemeClr val="tx1"/>
+        </a:solidFill>
+        <a:effectLst/>
+      </p:bgPr>
+    </p:bg>
+    <p:spTree>
+      <p:nvGrpSpPr>
+        <p:cNvPr id="1" name=""/>
+        <p:cNvGrpSpPr/>
+        <p:nvPr/>
+      </p:nvGrpSpPr>
+      <p:grpSpPr>
+        <a:xfrm>
+          <a:off x="0" y="0"/>
+          <a:ext cx="0" cy="0"/>
+          <a:chOff x="0" y="0"/>
+          <a:chExt cx="0" cy="0"/>
+        </a:xfrm>
+      </p:grpSpPr>
+      <p:sp>
+        <p:nvSpPr>
+          <p:cNvPr id="2" name="Title 1">
+            <a:extLst>
+              <a:ext uri="{FF2B5EF4-FFF2-40B4-BE49-F238E27FC236}">
+                <a16:creationId xmlns:a16="http://schemas.microsoft.com/office/drawing/2014/main" id="{8DB65730-EE63-0823-2C5E-A1F73345E8A4}"/>
+              </a:ext>
+            </a:extLst>
+          </p:cNvPr>
+          <p:cNvSpPr>
+            <a:spLocks noGrp="1"/>
+          </p:cNvSpPr>
+          <p:nvPr>
+            <p:ph type="title"/>
+          </p:nvPr>
+        </p:nvSpPr>
+        <p:spPr/>
+        <p:txBody>
+          <a:bodyPr/>
+          <a:lstStyle/>
+          <a:p>
+            <a:r>
+              <a:rPr lang="en-US" dirty="0">
+                <a:solidFill>
+                  <a:schemeClr val="bg1"/>
+                </a:solidFill>
+              </a:rPr>
+              <a:t>Python</a:t>
+            </a:r>
+          </a:p>
+        </p:txBody>
+      </p:sp>
+      <p:pic>
+        <p:nvPicPr>
+          <p:cNvPr id="6" name="Picture 5">
+            <a:extLst>
+              <a:ext uri="{FF2B5EF4-FFF2-40B4-BE49-F238E27FC236}">
+                <a16:creationId xmlns:a16="http://schemas.microsoft.com/office/drawing/2014/main" id="{77854B54-F1FB-DB12-DE4D-FB9B823726E4}"/>
+              </a:ext>
+            </a:extLst>
+          </p:cNvPr>
+          <p:cNvPicPr>
+            <a:picLocks noChangeAspect="1"/>
+          </p:cNvPicPr>
+          <p:nvPr/>
+        </p:nvPicPr>
+        <p:blipFill>
+          <a:blip r:embed="rId2"/>
+          <a:stretch>
+            <a:fillRect/>
+          </a:stretch>
+        </p:blipFill>
+        <p:spPr>
+          <a:xfrm>
+            <a:off x="3644900" y="2697038"/>
+            <a:ext cx="4902200" cy="3149600"/>
+          </a:xfrm>
+          <a:prstGeom prst="rect">
+            <a:avLst/>
+          </a:prstGeom>
+        </p:spPr>
+      </p:pic>
+    </p:spTree>
+    <p:extLst>
+      <p:ext uri="{BB962C8B-B14F-4D97-AF65-F5344CB8AC3E}">
+        <p14:creationId xmlns:p14="http://schemas.microsoft.com/office/powerpoint/2010/main" val="3290177202"/>
+      </p:ext>
+    </p:extLst>
+  </p:cSld>
+  <p:clrMapOvr>
+    <a:masterClrMapping/>
+  </p:clrMapOvr>
+</p:sld>
+</file>
+
 <file path=ppt/slides/slide2.xml><?xml version="1.0" encoding="utf-8"?>
 <p:sld xmlns:a="http://schemas.openxmlformats.org/drawingml/2006/main" xmlns:r="http://schemas.openxmlformats.org/officeDocument/2006/relationships" xmlns:p="http://schemas.openxmlformats.org/presentationml/2006/main">
   <p:cSld>
@@ -3087,10 +3486,10 @@
       </p:grpSpPr>
       <p:pic>
         <p:nvPicPr>
-          <p:cNvPr id="9" name="Picture 8">
+          <p:cNvPr id="13" name="Picture 12">
             <a:extLst>
               <a:ext uri="{FF2B5EF4-FFF2-40B4-BE49-F238E27FC236}">
-                <a16:creationId xmlns:a16="http://schemas.microsoft.com/office/drawing/2014/main" id="{EF298D66-9610-3A14-E9CD-CDD55AE8A43E}"/>
+                <a16:creationId xmlns:a16="http://schemas.microsoft.com/office/drawing/2014/main" id="{3BD919D1-A205-BEC6-CAE9-84229EE84F1B}"/>
               </a:ext>
             </a:extLst>
           </p:cNvPr>
@@ -3107,7 +3506,7 @@
         </p:blipFill>
         <p:spPr>
           <a:xfrm>
-            <a:off x="2540000" y="762000"/>
+            <a:off x="2540000" y="1708578"/>
             <a:ext cx="7112000" cy="5334000"/>
           </a:xfrm>
           <a:prstGeom prst="rect">
@@ -3115,6 +3514,34 @@
           </a:prstGeom>
         </p:spPr>
       </p:pic>
+      <p:sp>
+        <p:nvSpPr>
+          <p:cNvPr id="14" name="Title 13">
+            <a:extLst>
+              <a:ext uri="{FF2B5EF4-FFF2-40B4-BE49-F238E27FC236}">
+                <a16:creationId xmlns:a16="http://schemas.microsoft.com/office/drawing/2014/main" id="{3FB25A0F-D345-AC15-1CAD-69AF90F81567}"/>
+              </a:ext>
+            </a:extLst>
+          </p:cNvPr>
+          <p:cNvSpPr>
+            <a:spLocks noGrp="1"/>
+          </p:cNvSpPr>
+          <p:nvPr>
+            <p:ph type="title"/>
+          </p:nvPr>
+        </p:nvSpPr>
+        <p:spPr/>
+        <p:txBody>
+          <a:bodyPr/>
+          <a:lstStyle/>
+          <a:p>
+            <a:r>
+              <a:rPr lang="en-US" dirty="0"/>
+              <a:t>MATLAB</a:t>
+            </a:r>
+          </a:p>
+        </p:txBody>
+      </p:sp>
     </p:spTree>
     <p:extLst>
       <p:ext uri="{BB962C8B-B14F-4D97-AF65-F5344CB8AC3E}">
@@ -3158,10 +3585,10 @@
       </p:grpSpPr>
       <p:pic>
         <p:nvPicPr>
-          <p:cNvPr id="3" name="Picture 2">
+          <p:cNvPr id="7" name="Picture 6">
             <a:extLst>
               <a:ext uri="{FF2B5EF4-FFF2-40B4-BE49-F238E27FC236}">
-                <a16:creationId xmlns:a16="http://schemas.microsoft.com/office/drawing/2014/main" id="{E46E6B45-415A-A7E6-852B-6387BEFE0C94}"/>
+                <a16:creationId xmlns:a16="http://schemas.microsoft.com/office/drawing/2014/main" id="{2CEA7280-6FA7-E77E-04F8-1648F196FA70}"/>
               </a:ext>
             </a:extLst>
           </p:cNvPr>
@@ -3178,7 +3605,7 @@
         </p:blipFill>
         <p:spPr>
           <a:xfrm>
-            <a:off x="-413512" y="1008888"/>
+            <a:off x="5656911" y="1690688"/>
             <a:ext cx="7112000" cy="5334000"/>
           </a:xfrm>
           <a:prstGeom prst="rect">
@@ -3188,10 +3615,10 @@
       </p:pic>
       <p:pic>
         <p:nvPicPr>
-          <p:cNvPr id="5" name="Picture 4">
+          <p:cNvPr id="9" name="Picture 8">
             <a:extLst>
               <a:ext uri="{FF2B5EF4-FFF2-40B4-BE49-F238E27FC236}">
-                <a16:creationId xmlns:a16="http://schemas.microsoft.com/office/drawing/2014/main" id="{6800CE70-4DC0-D840-D820-25C1E2BF56AE}"/>
+                <a16:creationId xmlns:a16="http://schemas.microsoft.com/office/drawing/2014/main" id="{68111E01-B9D2-1D25-8DF7-0781E6FB6AFF}"/>
               </a:ext>
             </a:extLst>
           </p:cNvPr>
@@ -3208,7 +3635,7 @@
         </p:blipFill>
         <p:spPr>
           <a:xfrm>
-            <a:off x="5658104" y="1008888"/>
+            <a:off x="-529204" y="1690688"/>
             <a:ext cx="7112000" cy="5334000"/>
           </a:xfrm>
           <a:prstGeom prst="rect">
@@ -3216,6 +3643,34 @@
           </a:prstGeom>
         </p:spPr>
       </p:pic>
+      <p:sp>
+        <p:nvSpPr>
+          <p:cNvPr id="10" name="Title 9">
+            <a:extLst>
+              <a:ext uri="{FF2B5EF4-FFF2-40B4-BE49-F238E27FC236}">
+                <a16:creationId xmlns:a16="http://schemas.microsoft.com/office/drawing/2014/main" id="{E76DE466-1DCE-7A46-29ED-3758E7E52572}"/>
+              </a:ext>
+            </a:extLst>
+          </p:cNvPr>
+          <p:cNvSpPr>
+            <a:spLocks noGrp="1"/>
+          </p:cNvSpPr>
+          <p:nvPr>
+            <p:ph type="title"/>
+          </p:nvPr>
+        </p:nvSpPr>
+        <p:spPr/>
+        <p:txBody>
+          <a:bodyPr/>
+          <a:lstStyle/>
+          <a:p>
+            <a:r>
+              <a:rPr lang="en-US" dirty="0"/>
+              <a:t>MATLAB</a:t>
+            </a:r>
+          </a:p>
+        </p:txBody>
+      </p:sp>
     </p:spTree>
     <p:extLst>
       <p:ext uri="{BB962C8B-B14F-4D97-AF65-F5344CB8AC3E}">
@@ -3256,10 +3711,10 @@
       </p:grpSpPr>
       <p:pic>
         <p:nvPicPr>
-          <p:cNvPr id="7" name="Picture 6">
+          <p:cNvPr id="9" name="Picture 8">
             <a:extLst>
               <a:ext uri="{FF2B5EF4-FFF2-40B4-BE49-F238E27FC236}">
-                <a16:creationId xmlns:a16="http://schemas.microsoft.com/office/drawing/2014/main" id="{774100F5-3B3F-2CCC-082F-BD9050AA12E1}"/>
+                <a16:creationId xmlns:a16="http://schemas.microsoft.com/office/drawing/2014/main" id="{9F07F678-000D-A489-FBA9-81CCE2171C51}"/>
               </a:ext>
             </a:extLst>
           </p:cNvPr>
@@ -3276,7 +3731,7 @@
         </p:blipFill>
         <p:spPr>
           <a:xfrm>
-            <a:off x="2540000" y="762000"/>
+            <a:off x="2540000" y="1524000"/>
             <a:ext cx="7112000" cy="5334000"/>
           </a:xfrm>
           <a:prstGeom prst="rect">
@@ -3284,6 +3739,38 @@
           </a:prstGeom>
         </p:spPr>
       </p:pic>
+      <p:sp>
+        <p:nvSpPr>
+          <p:cNvPr id="10" name="Title 9">
+            <a:extLst>
+              <a:ext uri="{FF2B5EF4-FFF2-40B4-BE49-F238E27FC236}">
+                <a16:creationId xmlns:a16="http://schemas.microsoft.com/office/drawing/2014/main" id="{B3C756A3-C012-6EC6-F34F-2A8612C3F7A6}"/>
+              </a:ext>
+            </a:extLst>
+          </p:cNvPr>
+          <p:cNvSpPr>
+            <a:spLocks noGrp="1"/>
+          </p:cNvSpPr>
+          <p:nvPr>
+            <p:ph type="title"/>
+          </p:nvPr>
+        </p:nvSpPr>
+        <p:spPr/>
+        <p:txBody>
+          <a:bodyPr/>
+          <a:lstStyle/>
+          <a:p>
+            <a:r>
+              <a:rPr lang="en-US" dirty="0">
+                <a:solidFill>
+                  <a:schemeClr val="bg1"/>
+                </a:solidFill>
+              </a:rPr>
+              <a:t>MATLAB</a:t>
+            </a:r>
+          </a:p>
+        </p:txBody>
+      </p:sp>
     </p:spTree>
     <p:extLst>
       <p:ext uri="{BB962C8B-B14F-4D97-AF65-F5344CB8AC3E}">
@@ -3314,10 +3801,68 @@
           <a:chExt cx="0" cy="0"/>
         </a:xfrm>
       </p:grpSpPr>
+      <p:pic>
+        <p:nvPicPr>
+          <p:cNvPr id="24" name="Picture 23">
+            <a:extLst>
+              <a:ext uri="{FF2B5EF4-FFF2-40B4-BE49-F238E27FC236}">
+                <a16:creationId xmlns:a16="http://schemas.microsoft.com/office/drawing/2014/main" id="{E6DCD684-6879-0899-EB1F-35A5880788EF}"/>
+              </a:ext>
+            </a:extLst>
+          </p:cNvPr>
+          <p:cNvPicPr>
+            <a:picLocks noChangeAspect="1"/>
+          </p:cNvPicPr>
+          <p:nvPr/>
+        </p:nvPicPr>
+        <p:blipFill>
+          <a:blip r:embed="rId2"/>
+          <a:stretch>
+            <a:fillRect/>
+          </a:stretch>
+        </p:blipFill>
+        <p:spPr>
+          <a:xfrm>
+            <a:off x="2540000" y="1461715"/>
+            <a:ext cx="7112000" cy="5334000"/>
+          </a:xfrm>
+          <a:prstGeom prst="rect">
+            <a:avLst/>
+          </a:prstGeom>
+        </p:spPr>
+      </p:pic>
+      <p:sp>
+        <p:nvSpPr>
+          <p:cNvPr id="25" name="Title 24">
+            <a:extLst>
+              <a:ext uri="{FF2B5EF4-FFF2-40B4-BE49-F238E27FC236}">
+                <a16:creationId xmlns:a16="http://schemas.microsoft.com/office/drawing/2014/main" id="{14CBF310-397D-012E-13F2-7683A9D032AC}"/>
+              </a:ext>
+            </a:extLst>
+          </p:cNvPr>
+          <p:cNvSpPr>
+            <a:spLocks noGrp="1"/>
+          </p:cNvSpPr>
+          <p:nvPr>
+            <p:ph type="title"/>
+          </p:nvPr>
+        </p:nvSpPr>
+        <p:spPr/>
+        <p:txBody>
+          <a:bodyPr/>
+          <a:lstStyle/>
+          <a:p>
+            <a:r>
+              <a:rPr lang="en-US" dirty="0"/>
+              <a:t>MATLAB</a:t>
+            </a:r>
+          </a:p>
+        </p:txBody>
+      </p:sp>
     </p:spTree>
     <p:extLst>
       <p:ext uri="{BB962C8B-B14F-4D97-AF65-F5344CB8AC3E}">
-        <p14:creationId xmlns:p14="http://schemas.microsoft.com/office/powerpoint/2010/main" val="1167915754"/>
+        <p14:creationId xmlns:p14="http://schemas.microsoft.com/office/powerpoint/2010/main" val="3142153176"/>
       </p:ext>
     </p:extLst>
   </p:cSld>
@@ -3333,7 +3878,7 @@
     <p:bg>
       <p:bgPr>
         <a:solidFill>
-          <a:schemeClr val="accent6">
+          <a:schemeClr val="accent2">
             <a:lumMod val="60000"/>
             <a:lumOff val="40000"/>
           </a:schemeClr>
@@ -3355,10 +3900,98 @@
           <a:chExt cx="0" cy="0"/>
         </a:xfrm>
       </p:grpSpPr>
+      <p:pic>
+        <p:nvPicPr>
+          <p:cNvPr id="27" name="Picture 26">
+            <a:extLst>
+              <a:ext uri="{FF2B5EF4-FFF2-40B4-BE49-F238E27FC236}">
+                <a16:creationId xmlns:a16="http://schemas.microsoft.com/office/drawing/2014/main" id="{6508A4F8-3979-A38D-6B92-E2A840BD18E8}"/>
+              </a:ext>
+            </a:extLst>
+          </p:cNvPr>
+          <p:cNvPicPr>
+            <a:picLocks noChangeAspect="1"/>
+          </p:cNvPicPr>
+          <p:nvPr/>
+        </p:nvPicPr>
+        <p:blipFill>
+          <a:blip r:embed="rId2"/>
+          <a:stretch>
+            <a:fillRect/>
+          </a:stretch>
+        </p:blipFill>
+        <p:spPr>
+          <a:xfrm>
+            <a:off x="-473544" y="1690688"/>
+            <a:ext cx="7112000" cy="5334000"/>
+          </a:xfrm>
+          <a:prstGeom prst="rect">
+            <a:avLst/>
+          </a:prstGeom>
+        </p:spPr>
+      </p:pic>
+      <p:pic>
+        <p:nvPicPr>
+          <p:cNvPr id="29" name="Picture 28">
+            <a:extLst>
+              <a:ext uri="{FF2B5EF4-FFF2-40B4-BE49-F238E27FC236}">
+                <a16:creationId xmlns:a16="http://schemas.microsoft.com/office/drawing/2014/main" id="{8D5DFB7D-4A6A-EE73-9C1E-8B46ECC01AA6}"/>
+              </a:ext>
+            </a:extLst>
+          </p:cNvPr>
+          <p:cNvPicPr>
+            <a:picLocks noChangeAspect="1"/>
+          </p:cNvPicPr>
+          <p:nvPr/>
+        </p:nvPicPr>
+        <p:blipFill>
+          <a:blip r:embed="rId3"/>
+          <a:stretch>
+            <a:fillRect/>
+          </a:stretch>
+        </p:blipFill>
+        <p:spPr>
+          <a:xfrm>
+            <a:off x="5688717" y="1690688"/>
+            <a:ext cx="7112000" cy="5334000"/>
+          </a:xfrm>
+          <a:prstGeom prst="rect">
+            <a:avLst/>
+          </a:prstGeom>
+        </p:spPr>
+      </p:pic>
+      <p:sp>
+        <p:nvSpPr>
+          <p:cNvPr id="30" name="Title 29">
+            <a:extLst>
+              <a:ext uri="{FF2B5EF4-FFF2-40B4-BE49-F238E27FC236}">
+                <a16:creationId xmlns:a16="http://schemas.microsoft.com/office/drawing/2014/main" id="{3D17B3EC-218F-0370-0E7A-0D3B91475448}"/>
+              </a:ext>
+            </a:extLst>
+          </p:cNvPr>
+          <p:cNvSpPr>
+            <a:spLocks noGrp="1"/>
+          </p:cNvSpPr>
+          <p:nvPr>
+            <p:ph type="title"/>
+          </p:nvPr>
+        </p:nvSpPr>
+        <p:spPr/>
+        <p:txBody>
+          <a:bodyPr/>
+          <a:lstStyle/>
+          <a:p>
+            <a:r>
+              <a:rPr lang="en-US" dirty="0"/>
+              <a:t>MATLAB</a:t>
+            </a:r>
+          </a:p>
+        </p:txBody>
+      </p:sp>
     </p:spTree>
     <p:extLst>
       <p:ext uri="{BB962C8B-B14F-4D97-AF65-F5344CB8AC3E}">
-        <p14:creationId xmlns:p14="http://schemas.microsoft.com/office/powerpoint/2010/main" val="859934550"/>
+        <p14:creationId xmlns:p14="http://schemas.microsoft.com/office/powerpoint/2010/main" val="2863124194"/>
       </p:ext>
     </p:extLst>
   </p:cSld>
@@ -3393,10 +4026,199 @@
           <a:chExt cx="0" cy="0"/>
         </a:xfrm>
       </p:grpSpPr>
+      <p:pic>
+        <p:nvPicPr>
+          <p:cNvPr id="8" name="Picture 7">
+            <a:extLst>
+              <a:ext uri="{FF2B5EF4-FFF2-40B4-BE49-F238E27FC236}">
+                <a16:creationId xmlns:a16="http://schemas.microsoft.com/office/drawing/2014/main" id="{E7178276-B082-C09D-E9E7-59A3938D535A}"/>
+              </a:ext>
+            </a:extLst>
+          </p:cNvPr>
+          <p:cNvPicPr>
+            <a:picLocks noChangeAspect="1"/>
+          </p:cNvPicPr>
+          <p:nvPr/>
+        </p:nvPicPr>
+        <p:blipFill>
+          <a:blip r:embed="rId2"/>
+          <a:stretch>
+            <a:fillRect/>
+          </a:stretch>
+        </p:blipFill>
+        <p:spPr>
+          <a:xfrm>
+            <a:off x="2540000" y="1690688"/>
+            <a:ext cx="7112000" cy="5334000"/>
+          </a:xfrm>
+          <a:prstGeom prst="rect">
+            <a:avLst/>
+          </a:prstGeom>
+        </p:spPr>
+      </p:pic>
+      <p:sp>
+        <p:nvSpPr>
+          <p:cNvPr id="9" name="Title 8">
+            <a:extLst>
+              <a:ext uri="{FF2B5EF4-FFF2-40B4-BE49-F238E27FC236}">
+                <a16:creationId xmlns:a16="http://schemas.microsoft.com/office/drawing/2014/main" id="{59211AAE-DBA4-A902-7BCA-6C995944A62D}"/>
+              </a:ext>
+            </a:extLst>
+          </p:cNvPr>
+          <p:cNvSpPr>
+            <a:spLocks noGrp="1"/>
+          </p:cNvSpPr>
+          <p:nvPr>
+            <p:ph type="title"/>
+          </p:nvPr>
+        </p:nvSpPr>
+        <p:spPr/>
+        <p:txBody>
+          <a:bodyPr/>
+          <a:lstStyle/>
+          <a:p>
+            <a:r>
+              <a:rPr lang="en-US" dirty="0">
+                <a:solidFill>
+                  <a:schemeClr val="bg1"/>
+                </a:solidFill>
+              </a:rPr>
+              <a:t>MATLAB</a:t>
+            </a:r>
+          </a:p>
+        </p:txBody>
+      </p:sp>
     </p:spTree>
     <p:extLst>
       <p:ext uri="{BB962C8B-B14F-4D97-AF65-F5344CB8AC3E}">
-        <p14:creationId xmlns:p14="http://schemas.microsoft.com/office/powerpoint/2010/main" val="3290177202"/>
+        <p14:creationId xmlns:p14="http://schemas.microsoft.com/office/powerpoint/2010/main" val="1019780678"/>
+      </p:ext>
+    </p:extLst>
+  </p:cSld>
+  <p:clrMapOvr>
+    <a:masterClrMapping/>
+  </p:clrMapOvr>
+</p:sld>
+</file>
+
+<file path=ppt/slides/slide8.xml><?xml version="1.0" encoding="utf-8"?>
+<p:sld xmlns:a="http://schemas.openxmlformats.org/drawingml/2006/main" xmlns:r="http://schemas.openxmlformats.org/officeDocument/2006/relationships" xmlns:p="http://schemas.openxmlformats.org/presentationml/2006/main">
+  <p:cSld>
+    <p:spTree>
+      <p:nvGrpSpPr>
+        <p:cNvPr id="1" name=""/>
+        <p:cNvGrpSpPr/>
+        <p:nvPr/>
+      </p:nvGrpSpPr>
+      <p:grpSpPr>
+        <a:xfrm>
+          <a:off x="0" y="0"/>
+          <a:ext cx="0" cy="0"/>
+          <a:chOff x="0" y="0"/>
+          <a:chExt cx="0" cy="0"/>
+        </a:xfrm>
+      </p:grpSpPr>
+      <p:sp>
+        <p:nvSpPr>
+          <p:cNvPr id="4" name="Title 3">
+            <a:extLst>
+              <a:ext uri="{FF2B5EF4-FFF2-40B4-BE49-F238E27FC236}">
+                <a16:creationId xmlns:a16="http://schemas.microsoft.com/office/drawing/2014/main" id="{179DC7F0-74FD-D9BD-EFA0-65B82119FFE6}"/>
+              </a:ext>
+            </a:extLst>
+          </p:cNvPr>
+          <p:cNvSpPr>
+            <a:spLocks noGrp="1"/>
+          </p:cNvSpPr>
+          <p:nvPr>
+            <p:ph type="title"/>
+          </p:nvPr>
+        </p:nvSpPr>
+        <p:spPr/>
+        <p:txBody>
+          <a:bodyPr/>
+          <a:lstStyle/>
+          <a:p>
+            <a:r>
+              <a:rPr lang="en-US" dirty="0"/>
+              <a:t>Python</a:t>
+            </a:r>
+          </a:p>
+        </p:txBody>
+      </p:sp>
+    </p:spTree>
+    <p:extLst>
+      <p:ext uri="{BB962C8B-B14F-4D97-AF65-F5344CB8AC3E}">
+        <p14:creationId xmlns:p14="http://schemas.microsoft.com/office/powerpoint/2010/main" val="4020830945"/>
+      </p:ext>
+    </p:extLst>
+  </p:cSld>
+  <p:clrMapOvr>
+    <a:masterClrMapping/>
+  </p:clrMapOvr>
+</p:sld>
+</file>
+
+<file path=ppt/slides/slide9.xml><?xml version="1.0" encoding="utf-8"?>
+<p:sld xmlns:a="http://schemas.openxmlformats.org/drawingml/2006/main" xmlns:r="http://schemas.openxmlformats.org/officeDocument/2006/relationships" xmlns:p="http://schemas.openxmlformats.org/presentationml/2006/main">
+  <p:cSld>
+    <p:bg>
+      <p:bgPr>
+        <a:solidFill>
+          <a:schemeClr val="accent6">
+            <a:lumMod val="60000"/>
+            <a:lumOff val="40000"/>
+          </a:schemeClr>
+        </a:solidFill>
+        <a:effectLst/>
+      </p:bgPr>
+    </p:bg>
+    <p:spTree>
+      <p:nvGrpSpPr>
+        <p:cNvPr id="1" name=""/>
+        <p:cNvGrpSpPr/>
+        <p:nvPr/>
+      </p:nvGrpSpPr>
+      <p:grpSpPr>
+        <a:xfrm>
+          <a:off x="0" y="0"/>
+          <a:ext cx="0" cy="0"/>
+          <a:chOff x="0" y="0"/>
+          <a:chExt cx="0" cy="0"/>
+        </a:xfrm>
+      </p:grpSpPr>
+      <p:sp>
+        <p:nvSpPr>
+          <p:cNvPr id="2" name="Title 1">
+            <a:extLst>
+              <a:ext uri="{FF2B5EF4-FFF2-40B4-BE49-F238E27FC236}">
+                <a16:creationId xmlns:a16="http://schemas.microsoft.com/office/drawing/2014/main" id="{E4B279A8-232D-8BE2-2A0F-DC8744ACAE3C}"/>
+              </a:ext>
+            </a:extLst>
+          </p:cNvPr>
+          <p:cNvSpPr>
+            <a:spLocks noGrp="1"/>
+          </p:cNvSpPr>
+          <p:nvPr>
+            <p:ph type="title"/>
+          </p:nvPr>
+        </p:nvSpPr>
+        <p:spPr/>
+        <p:txBody>
+          <a:bodyPr/>
+          <a:lstStyle/>
+          <a:p>
+            <a:r>
+              <a:rPr lang="en-US" dirty="0"/>
+              <a:t>Python</a:t>
+            </a:r>
+          </a:p>
+        </p:txBody>
+      </p:sp>
+    </p:spTree>
+    <p:extLst>
+      <p:ext uri="{BB962C8B-B14F-4D97-AF65-F5344CB8AC3E}">
+        <p14:creationId xmlns:p14="http://schemas.microsoft.com/office/powerpoint/2010/main" val="2597260138"/>
       </p:ext>
     </p:extLst>
   </p:cSld>
